--- a/sort_perf.pptx
+++ b/sort_perf.pptx
@@ -107,6 +107,11 @@
       </a:defRPr>
     </a:lvl9pPr>
   </p:defaultTextStyle>
+  <p:extLst>
+    <p:ext uri="{EFAFB233-063F-42B5-8137-9DF3F51BA10A}">
+      <p15:sldGuideLst xmlns:p15="http://schemas.microsoft.com/office/powerpoint/2012/main"/>
+    </p:ext>
+  </p:extLst>
 </p:presentation>
 </file>
 
@@ -259,7 +264,7 @@
           <a:p>
             <a:fld id="{51B537D9-C230-43FD-AB40-C432D0A77170}" type="datetimeFigureOut">
               <a:rPr lang="en-GB" smtClean="0"/>
-              <a:t>17/05/2021</a:t>
+              <a:t>19/05/2021</a:t>
             </a:fld>
             <a:endParaRPr lang="en-GB"/>
           </a:p>
@@ -459,7 +464,7 @@
           <a:p>
             <a:fld id="{51B537D9-C230-43FD-AB40-C432D0A77170}" type="datetimeFigureOut">
               <a:rPr lang="en-GB" smtClean="0"/>
-              <a:t>17/05/2021</a:t>
+              <a:t>19/05/2021</a:t>
             </a:fld>
             <a:endParaRPr lang="en-GB"/>
           </a:p>
@@ -669,7 +674,7 @@
           <a:p>
             <a:fld id="{51B537D9-C230-43FD-AB40-C432D0A77170}" type="datetimeFigureOut">
               <a:rPr lang="en-GB" smtClean="0"/>
-              <a:t>17/05/2021</a:t>
+              <a:t>19/05/2021</a:t>
             </a:fld>
             <a:endParaRPr lang="en-GB"/>
           </a:p>
@@ -869,7 +874,7 @@
           <a:p>
             <a:fld id="{51B537D9-C230-43FD-AB40-C432D0A77170}" type="datetimeFigureOut">
               <a:rPr lang="en-GB" smtClean="0"/>
-              <a:t>17/05/2021</a:t>
+              <a:t>19/05/2021</a:t>
             </a:fld>
             <a:endParaRPr lang="en-GB"/>
           </a:p>
@@ -1145,7 +1150,7 @@
           <a:p>
             <a:fld id="{51B537D9-C230-43FD-AB40-C432D0A77170}" type="datetimeFigureOut">
               <a:rPr lang="en-GB" smtClean="0"/>
-              <a:t>17/05/2021</a:t>
+              <a:t>19/05/2021</a:t>
             </a:fld>
             <a:endParaRPr lang="en-GB"/>
           </a:p>
@@ -1413,7 +1418,7 @@
           <a:p>
             <a:fld id="{51B537D9-C230-43FD-AB40-C432D0A77170}" type="datetimeFigureOut">
               <a:rPr lang="en-GB" smtClean="0"/>
-              <a:t>17/05/2021</a:t>
+              <a:t>19/05/2021</a:t>
             </a:fld>
             <a:endParaRPr lang="en-GB"/>
           </a:p>
@@ -1828,7 +1833,7 @@
           <a:p>
             <a:fld id="{51B537D9-C230-43FD-AB40-C432D0A77170}" type="datetimeFigureOut">
               <a:rPr lang="en-GB" smtClean="0"/>
-              <a:t>17/05/2021</a:t>
+              <a:t>19/05/2021</a:t>
             </a:fld>
             <a:endParaRPr lang="en-GB"/>
           </a:p>
@@ -1970,7 +1975,7 @@
           <a:p>
             <a:fld id="{51B537D9-C230-43FD-AB40-C432D0A77170}" type="datetimeFigureOut">
               <a:rPr lang="en-GB" smtClean="0"/>
-              <a:t>17/05/2021</a:t>
+              <a:t>19/05/2021</a:t>
             </a:fld>
             <a:endParaRPr lang="en-GB"/>
           </a:p>
@@ -2083,7 +2088,7 @@
           <a:p>
             <a:fld id="{51B537D9-C230-43FD-AB40-C432D0A77170}" type="datetimeFigureOut">
               <a:rPr lang="en-GB" smtClean="0"/>
-              <a:t>17/05/2021</a:t>
+              <a:t>19/05/2021</a:t>
             </a:fld>
             <a:endParaRPr lang="en-GB"/>
           </a:p>
@@ -2396,7 +2401,7 @@
           <a:p>
             <a:fld id="{51B537D9-C230-43FD-AB40-C432D0A77170}" type="datetimeFigureOut">
               <a:rPr lang="en-GB" smtClean="0"/>
-              <a:t>17/05/2021</a:t>
+              <a:t>19/05/2021</a:t>
             </a:fld>
             <a:endParaRPr lang="en-GB"/>
           </a:p>
@@ -2685,7 +2690,7 @@
           <a:p>
             <a:fld id="{51B537D9-C230-43FD-AB40-C432D0A77170}" type="datetimeFigureOut">
               <a:rPr lang="en-GB" smtClean="0"/>
-              <a:t>17/05/2021</a:t>
+              <a:t>19/05/2021</a:t>
             </a:fld>
             <a:endParaRPr lang="en-GB"/>
           </a:p>
@@ -2928,7 +2933,7 @@
           <a:p>
             <a:fld id="{51B537D9-C230-43FD-AB40-C432D0A77170}" type="datetimeFigureOut">
               <a:rPr lang="en-GB" smtClean="0"/>
-              <a:t>17/05/2021</a:t>
+              <a:t>19/05/2021</a:t>
             </a:fld>
             <a:endParaRPr lang="en-GB"/>
           </a:p>
@@ -3499,7 +3504,7 @@
         </p:spPr>
         <p:txBody>
           <a:bodyPr>
-            <a:normAutofit lnSpcReduction="10000"/>
+            <a:normAutofit fontScale="70000" lnSpcReduction="20000"/>
           </a:bodyPr>
           <a:lstStyle/>
           <a:p>
@@ -3571,6 +3576,48 @@
               <a:rPr lang="en-US" dirty="0"/>
               <a:t>.</a:t>
             </a:r>
+          </a:p>
+          <a:p>
+            <a:r>
+              <a:rPr lang="en-US" dirty="0"/>
+              <a:t>Prima </a:t>
+            </a:r>
+            <a:r>
+              <a:rPr lang="en-US" dirty="0" err="1"/>
+              <a:t>versiune</a:t>
+            </a:r>
+            <a:r>
+              <a:rPr lang="en-US" dirty="0"/>
+              <a:t> a </a:t>
+            </a:r>
+            <a:r>
+              <a:rPr lang="en-US" dirty="0" err="1"/>
+              <a:t>fost</a:t>
+            </a:r>
+            <a:r>
+              <a:rPr lang="en-US" dirty="0"/>
+              <a:t> </a:t>
+            </a:r>
+            <a:r>
+              <a:rPr lang="en-US" dirty="0" err="1"/>
+              <a:t>publicata</a:t>
+            </a:r>
+            <a:r>
+              <a:rPr lang="en-US" dirty="0"/>
+              <a:t> de Donald Shell in </a:t>
+            </a:r>
+            <a:r>
+              <a:rPr lang="en-US" dirty="0" err="1"/>
+              <a:t>anul</a:t>
+            </a:r>
+            <a:r>
+              <a:rPr lang="en-US" dirty="0"/>
+              <a:t> 1959.</a:t>
+            </a:r>
+            <a:endParaRPr lang="en-GB" dirty="0"/>
+          </a:p>
+          <a:p>
+            <a:endParaRPr lang="en-US" dirty="0"/>
           </a:p>
           <a:p>
             <a:endParaRPr lang="en-GB" dirty="0"/>
@@ -5157,6 +5204,9 @@
               <a:rPr lang="en-US" dirty="0"/>
               <a:t>.</a:t>
             </a:r>
+          </a:p>
+          <a:p>
+            <a:endParaRPr lang="en-US" dirty="0"/>
           </a:p>
           <a:p>
             <a:endParaRPr lang="en-US" dirty="0"/>
@@ -5487,28 +5537,390 @@
           </a:p>
         </p:txBody>
       </p:sp>
-      <p:sp>
-        <p:nvSpPr>
-          <p:cNvPr id="3" name="Substituent conținut 2">
-            <a:extLst>
-              <a:ext uri="{FF2B5EF4-FFF2-40B4-BE49-F238E27FC236}">
-                <a16:creationId xmlns:a16="http://schemas.microsoft.com/office/drawing/2014/main" id="{EAF217CA-C86C-4A16-BBE3-9A371281EC6B}"/>
-              </a:ext>
-            </a:extLst>
-          </p:cNvPr>
-          <p:cNvSpPr>
-            <a:spLocks noGrp="1"/>
-          </p:cNvSpPr>
+      <p:graphicFrame>
+        <p:nvGraphicFramePr>
+          <p:cNvPr id="4" name="Tabel 4">
+            <a:extLst>
+              <a:ext uri="{FF2B5EF4-FFF2-40B4-BE49-F238E27FC236}">
+                <a16:creationId xmlns:a16="http://schemas.microsoft.com/office/drawing/2014/main" id="{5F211518-FFC6-4991-A4F2-5F9B3C0FC537}"/>
+              </a:ext>
+            </a:extLst>
+          </p:cNvPr>
+          <p:cNvGraphicFramePr>
+            <a:graphicFrameLocks noGrp="1"/>
+          </p:cNvGraphicFramePr>
           <p:nvPr>
             <p:ph idx="1"/>
-          </p:nvPr>
-        </p:nvSpPr>
-        <p:spPr/>
-        <p:txBody>
-          <a:bodyPr/>
+            <p:extLst>
+              <p:ext uri="{D42A27DB-BD31-4B8C-83A1-F6EECF244321}">
+                <p14:modId xmlns:p14="http://schemas.microsoft.com/office/powerpoint/2010/main" val="687458724"/>
+              </p:ext>
+            </p:extLst>
+          </p:nvPr>
+        </p:nvGraphicFramePr>
+        <p:xfrm>
+          <a:off x="838200" y="1825625"/>
+          <a:ext cx="10515596" cy="370840"/>
+        </p:xfrm>
+        <a:graphic>
+          <a:graphicData uri="http://schemas.openxmlformats.org/drawingml/2006/table">
+            <a:tbl>
+              <a:tblPr firstRow="1" bandRow="1">
+                <a:tableStyleId>{5C22544A-7EE6-4342-B048-85BDC9FD1C3A}</a:tableStyleId>
+              </a:tblPr>
+              <a:tblGrid>
+                <a:gridCol w="1502228">
+                  <a:extLst>
+                    <a:ext uri="{9D8B030D-6E8A-4147-A177-3AD203B41FA5}">
+                      <a16:colId xmlns:a16="http://schemas.microsoft.com/office/drawing/2014/main" val="410927043"/>
+                    </a:ext>
+                  </a:extLst>
+                </a:gridCol>
+                <a:gridCol w="1502228">
+                  <a:extLst>
+                    <a:ext uri="{9D8B030D-6E8A-4147-A177-3AD203B41FA5}">
+                      <a16:colId xmlns:a16="http://schemas.microsoft.com/office/drawing/2014/main" val="4290172549"/>
+                    </a:ext>
+                  </a:extLst>
+                </a:gridCol>
+                <a:gridCol w="1502228">
+                  <a:extLst>
+                    <a:ext uri="{9D8B030D-6E8A-4147-A177-3AD203B41FA5}">
+                      <a16:colId xmlns:a16="http://schemas.microsoft.com/office/drawing/2014/main" val="3315651775"/>
+                    </a:ext>
+                  </a:extLst>
+                </a:gridCol>
+                <a:gridCol w="1502228">
+                  <a:extLst>
+                    <a:ext uri="{9D8B030D-6E8A-4147-A177-3AD203B41FA5}">
+                      <a16:colId xmlns:a16="http://schemas.microsoft.com/office/drawing/2014/main" val="1273617362"/>
+                    </a:ext>
+                  </a:extLst>
+                </a:gridCol>
+                <a:gridCol w="1502228">
+                  <a:extLst>
+                    <a:ext uri="{9D8B030D-6E8A-4147-A177-3AD203B41FA5}">
+                      <a16:colId xmlns:a16="http://schemas.microsoft.com/office/drawing/2014/main" val="388175543"/>
+                    </a:ext>
+                  </a:extLst>
+                </a:gridCol>
+                <a:gridCol w="1502228">
+                  <a:extLst>
+                    <a:ext uri="{9D8B030D-6E8A-4147-A177-3AD203B41FA5}">
+                      <a16:colId xmlns:a16="http://schemas.microsoft.com/office/drawing/2014/main" val="1870845038"/>
+                    </a:ext>
+                  </a:extLst>
+                </a:gridCol>
+                <a:gridCol w="1502228">
+                  <a:extLst>
+                    <a:ext uri="{9D8B030D-6E8A-4147-A177-3AD203B41FA5}">
+                      <a16:colId xmlns:a16="http://schemas.microsoft.com/office/drawing/2014/main" val="2950137239"/>
+                    </a:ext>
+                  </a:extLst>
+                </a:gridCol>
+              </a:tblGrid>
+              <a:tr h="370840">
+                <a:tc>
+                  <a:txBody>
+                    <a:bodyPr/>
+                    <a:lstStyle/>
+                    <a:p>
+                      <a:r>
+                        <a:rPr lang="en-US" dirty="0"/>
+                        <a:t>10</a:t>
+                      </a:r>
+                      <a:endParaRPr lang="en-GB" dirty="0"/>
+                    </a:p>
+                  </a:txBody>
+                  <a:tcPr/>
+                </a:tc>
+                <a:tc>
+                  <a:txBody>
+                    <a:bodyPr/>
+                    <a:lstStyle/>
+                    <a:p>
+                      <a:r>
+                        <a:rPr lang="en-US" dirty="0"/>
+                        <a:t>11</a:t>
+                      </a:r>
+                      <a:endParaRPr lang="en-GB" dirty="0"/>
+                    </a:p>
+                  </a:txBody>
+                  <a:tcPr/>
+                </a:tc>
+                <a:tc>
+                  <a:txBody>
+                    <a:bodyPr/>
+                    <a:lstStyle/>
+                    <a:p>
+                      <a:r>
+                        <a:rPr lang="en-US" dirty="0"/>
+                        <a:t>9</a:t>
+                      </a:r>
+                      <a:endParaRPr lang="en-GB" dirty="0"/>
+                    </a:p>
+                  </a:txBody>
+                  <a:tcPr/>
+                </a:tc>
+                <a:tc>
+                  <a:txBody>
+                    <a:bodyPr/>
+                    <a:lstStyle/>
+                    <a:p>
+                      <a:r>
+                        <a:rPr lang="en-US" dirty="0"/>
+                        <a:t>7</a:t>
+                      </a:r>
+                      <a:endParaRPr lang="en-GB" dirty="0"/>
+                    </a:p>
+                  </a:txBody>
+                  <a:tcPr/>
+                </a:tc>
+                <a:tc>
+                  <a:txBody>
+                    <a:bodyPr/>
+                    <a:lstStyle/>
+                    <a:p>
+                      <a:r>
+                        <a:rPr lang="en-US" dirty="0"/>
+                        <a:t>12</a:t>
+                      </a:r>
+                      <a:endParaRPr lang="en-GB" dirty="0"/>
+                    </a:p>
+                  </a:txBody>
+                  <a:tcPr/>
+                </a:tc>
+                <a:tc>
+                  <a:txBody>
+                    <a:bodyPr/>
+                    <a:lstStyle/>
+                    <a:p>
+                      <a:r>
+                        <a:rPr lang="en-US" dirty="0"/>
+                        <a:t>5</a:t>
+                      </a:r>
+                      <a:endParaRPr lang="en-GB" dirty="0"/>
+                    </a:p>
+                  </a:txBody>
+                  <a:tcPr/>
+                </a:tc>
+                <a:tc>
+                  <a:txBody>
+                    <a:bodyPr/>
+                    <a:lstStyle/>
+                    <a:p>
+                      <a:r>
+                        <a:rPr lang="en-US" dirty="0"/>
+                        <a:t>8</a:t>
+                      </a:r>
+                      <a:endParaRPr lang="en-GB" dirty="0"/>
+                    </a:p>
+                  </a:txBody>
+                  <a:tcPr/>
+                </a:tc>
+                <a:extLst>
+                  <a:ext uri="{0D108BD9-81ED-4DB2-BD59-A6C34878D82A}">
+                    <a16:rowId xmlns:a16="http://schemas.microsoft.com/office/drawing/2014/main" val="2253851086"/>
+                  </a:ext>
+                </a:extLst>
+              </a:tr>
+            </a:tbl>
+          </a:graphicData>
+        </a:graphic>
+      </p:graphicFrame>
+      <p:graphicFrame>
+        <p:nvGraphicFramePr>
+          <p:cNvPr id="5" name="Tabel 5">
+            <a:extLst>
+              <a:ext uri="{FF2B5EF4-FFF2-40B4-BE49-F238E27FC236}">
+                <a16:creationId xmlns:a16="http://schemas.microsoft.com/office/drawing/2014/main" id="{6014B21C-FB8C-497D-A444-7443A3151354}"/>
+              </a:ext>
+            </a:extLst>
+          </p:cNvPr>
+          <p:cNvGraphicFramePr>
+            <a:graphicFrameLocks noGrp="1"/>
+          </p:cNvGraphicFramePr>
+          <p:nvPr>
+            <p:extLst>
+              <p:ext uri="{D42A27DB-BD31-4B8C-83A1-F6EECF244321}">
+                <p14:modId xmlns:p14="http://schemas.microsoft.com/office/powerpoint/2010/main" val="3828891533"/>
+              </p:ext>
+            </p:extLst>
+          </p:nvPr>
+        </p:nvGraphicFramePr>
+        <p:xfrm>
+          <a:off x="9814560" y="2472266"/>
+          <a:ext cx="1539236" cy="370840"/>
+        </p:xfrm>
+        <a:graphic>
+          <a:graphicData uri="http://schemas.openxmlformats.org/drawingml/2006/table">
+            <a:tbl>
+              <a:tblPr firstRow="1" bandRow="1">
+                <a:tableStyleId>{5C22544A-7EE6-4342-B048-85BDC9FD1C3A}</a:tableStyleId>
+              </a:tblPr>
+              <a:tblGrid>
+                <a:gridCol w="1539236">
+                  <a:extLst>
+                    <a:ext uri="{9D8B030D-6E8A-4147-A177-3AD203B41FA5}">
+                      <a16:colId xmlns:a16="http://schemas.microsoft.com/office/drawing/2014/main" val="1400152098"/>
+                    </a:ext>
+                  </a:extLst>
+                </a:gridCol>
+              </a:tblGrid>
+              <a:tr h="370840">
+                <a:tc>
+                  <a:txBody>
+                    <a:bodyPr/>
+                    <a:lstStyle/>
+                    <a:p>
+                      <a:r>
+                        <a:rPr lang="en-US" dirty="0"/>
+                        <a:t>8-pivot</a:t>
+                      </a:r>
+                      <a:endParaRPr lang="en-GB" dirty="0"/>
+                    </a:p>
+                  </a:txBody>
+                  <a:tcPr/>
+                </a:tc>
+                <a:extLst>
+                  <a:ext uri="{0D108BD9-81ED-4DB2-BD59-A6C34878D82A}">
+                    <a16:rowId xmlns:a16="http://schemas.microsoft.com/office/drawing/2014/main" val="4021415671"/>
+                  </a:ext>
+                </a:extLst>
+              </a:tr>
+            </a:tbl>
+          </a:graphicData>
+        </a:graphic>
+      </p:graphicFrame>
+      <p:sp>
+        <p:nvSpPr>
+          <p:cNvPr id="6" name="CasetăText 5">
+            <a:extLst>
+              <a:ext uri="{FF2B5EF4-FFF2-40B4-BE49-F238E27FC236}">
+                <a16:creationId xmlns:a16="http://schemas.microsoft.com/office/drawing/2014/main" id="{EF40414F-AF24-41C1-9743-1B49A1E62833}"/>
+              </a:ext>
+            </a:extLst>
+          </p:cNvPr>
+          <p:cNvSpPr txBox="1"/>
+          <p:nvPr/>
+        </p:nvSpPr>
+        <p:spPr>
+          <a:xfrm>
+            <a:off x="838200" y="3427492"/>
+            <a:ext cx="6278880" cy="923330"/>
+          </a:xfrm>
+          <a:prstGeom prst="rect">
+            <a:avLst/>
+          </a:prstGeom>
+          <a:noFill/>
+        </p:spPr>
+        <p:txBody>
+          <a:bodyPr wrap="square" rtlCol="0">
+            <a:spAutoFit/>
+          </a:bodyPr>
           <a:lstStyle/>
           <a:p>
-            <a:endParaRPr lang="en-GB"/>
+            <a:r>
+              <a:rPr lang="en-US" dirty="0"/>
+              <a:t>Quick sort </a:t>
+            </a:r>
+            <a:r>
+              <a:rPr lang="en-US" dirty="0" err="1"/>
+              <a:t>este</a:t>
+            </a:r>
+            <a:r>
+              <a:rPr lang="en-US" dirty="0"/>
+              <a:t> </a:t>
+            </a:r>
+            <a:r>
+              <a:rPr lang="en-US" dirty="0" err="1"/>
+              <a:t>celebrul</a:t>
+            </a:r>
+            <a:r>
+              <a:rPr lang="en-US" dirty="0"/>
+              <a:t> </a:t>
+            </a:r>
+            <a:r>
+              <a:rPr lang="en-US" dirty="0" err="1"/>
+              <a:t>algoritm</a:t>
+            </a:r>
+            <a:r>
+              <a:rPr lang="en-US" dirty="0"/>
+              <a:t> de </a:t>
+            </a:r>
+            <a:r>
+              <a:rPr lang="en-US" dirty="0" err="1"/>
+              <a:t>sortare</a:t>
+            </a:r>
+            <a:r>
+              <a:rPr lang="en-US" dirty="0"/>
+              <a:t>, </a:t>
+            </a:r>
+            <a:r>
+              <a:rPr lang="en-US" dirty="0" err="1"/>
+              <a:t>dezvoltat</a:t>
+            </a:r>
+            <a:r>
+              <a:rPr lang="en-US" dirty="0"/>
+              <a:t> de C.A.R Hoare . </a:t>
+            </a:r>
+            <a:r>
+              <a:rPr lang="en-US" dirty="0" err="1"/>
+              <a:t>Algoritmul</a:t>
+            </a:r>
+            <a:r>
+              <a:rPr lang="en-US" dirty="0"/>
+              <a:t> a </a:t>
+            </a:r>
+            <a:r>
+              <a:rPr lang="en-US" dirty="0" err="1"/>
+              <a:t>fost</a:t>
+            </a:r>
+            <a:r>
+              <a:rPr lang="en-US" dirty="0"/>
+              <a:t> </a:t>
+            </a:r>
+            <a:r>
+              <a:rPr lang="en-US" dirty="0" err="1"/>
+              <a:t>dezvoltat</a:t>
+            </a:r>
+            <a:r>
+              <a:rPr lang="en-US" dirty="0"/>
+              <a:t> in 1960, pe cand lucre la mica </a:t>
+            </a:r>
+            <a:r>
+              <a:rPr lang="en-US" dirty="0" err="1"/>
+              <a:t>firma</a:t>
+            </a:r>
+            <a:r>
+              <a:rPr lang="en-US" dirty="0"/>
+              <a:t> </a:t>
+            </a:r>
+            <a:r>
+              <a:rPr lang="en-US" dirty="0" err="1"/>
+              <a:t>britanica</a:t>
+            </a:r>
+            <a:r>
+              <a:rPr lang="en-US" dirty="0"/>
+              <a:t> </a:t>
+            </a:r>
+            <a:r>
+              <a:rPr lang="en-US" dirty="0" err="1"/>
+              <a:t>producatoare</a:t>
+            </a:r>
+            <a:r>
+              <a:rPr lang="en-US" dirty="0"/>
+              <a:t> de </a:t>
+            </a:r>
+            <a:r>
+              <a:rPr lang="en-US" dirty="0" err="1"/>
+              <a:t>calculatoare</a:t>
+            </a:r>
+            <a:r>
+              <a:rPr lang="en-US" dirty="0"/>
+              <a:t> Elliot Brothers.</a:t>
+            </a:r>
+            <a:endParaRPr lang="en-GB" dirty="0"/>
           </a:p>
         </p:txBody>
       </p:sp>
